--- a/documentos/LeanUXCanvas_VISS.pptx
+++ b/documentos/LeanUXCanvas_VISS.pptx
@@ -269,7 +269,7 @@
           <a:p>
             <a:fld id="{AA3B7552-0388-42B2-B115-DF73D56C0C0F}" type="datetimeFigureOut">
               <a:rPr lang="pt-BR" smtClean="0"/>
-              <a:t>22/08/2023</a:t>
+              <a:t>19/09/2023</a:t>
             </a:fld>
             <a:endParaRPr lang="pt-BR" dirty="0"/>
           </a:p>
@@ -469,7 +469,7 @@
           <a:p>
             <a:fld id="{AA3B7552-0388-42B2-B115-DF73D56C0C0F}" type="datetimeFigureOut">
               <a:rPr lang="pt-BR" smtClean="0"/>
-              <a:t>22/08/2023</a:t>
+              <a:t>19/09/2023</a:t>
             </a:fld>
             <a:endParaRPr lang="pt-BR" dirty="0"/>
           </a:p>
@@ -679,7 +679,7 @@
           <a:p>
             <a:fld id="{AA3B7552-0388-42B2-B115-DF73D56C0C0F}" type="datetimeFigureOut">
               <a:rPr lang="pt-BR" smtClean="0"/>
-              <a:t>22/08/2023</a:t>
+              <a:t>19/09/2023</a:t>
             </a:fld>
             <a:endParaRPr lang="pt-BR" dirty="0"/>
           </a:p>
@@ -879,7 +879,7 @@
           <a:p>
             <a:fld id="{AA3B7552-0388-42B2-B115-DF73D56C0C0F}" type="datetimeFigureOut">
               <a:rPr lang="pt-BR" smtClean="0"/>
-              <a:t>22/08/2023</a:t>
+              <a:t>19/09/2023</a:t>
             </a:fld>
             <a:endParaRPr lang="pt-BR" dirty="0"/>
           </a:p>
@@ -1155,7 +1155,7 @@
           <a:p>
             <a:fld id="{AA3B7552-0388-42B2-B115-DF73D56C0C0F}" type="datetimeFigureOut">
               <a:rPr lang="pt-BR" smtClean="0"/>
-              <a:t>22/08/2023</a:t>
+              <a:t>19/09/2023</a:t>
             </a:fld>
             <a:endParaRPr lang="pt-BR" dirty="0"/>
           </a:p>
@@ -1423,7 +1423,7 @@
           <a:p>
             <a:fld id="{AA3B7552-0388-42B2-B115-DF73D56C0C0F}" type="datetimeFigureOut">
               <a:rPr lang="pt-BR" smtClean="0"/>
-              <a:t>22/08/2023</a:t>
+              <a:t>19/09/2023</a:t>
             </a:fld>
             <a:endParaRPr lang="pt-BR" dirty="0"/>
           </a:p>
@@ -1838,7 +1838,7 @@
           <a:p>
             <a:fld id="{AA3B7552-0388-42B2-B115-DF73D56C0C0F}" type="datetimeFigureOut">
               <a:rPr lang="pt-BR" smtClean="0"/>
-              <a:t>22/08/2023</a:t>
+              <a:t>19/09/2023</a:t>
             </a:fld>
             <a:endParaRPr lang="pt-BR" dirty="0"/>
           </a:p>
@@ -1980,7 +1980,7 @@
           <a:p>
             <a:fld id="{AA3B7552-0388-42B2-B115-DF73D56C0C0F}" type="datetimeFigureOut">
               <a:rPr lang="pt-BR" smtClean="0"/>
-              <a:t>22/08/2023</a:t>
+              <a:t>19/09/2023</a:t>
             </a:fld>
             <a:endParaRPr lang="pt-BR" dirty="0"/>
           </a:p>
@@ -2093,7 +2093,7 @@
           <a:p>
             <a:fld id="{AA3B7552-0388-42B2-B115-DF73D56C0C0F}" type="datetimeFigureOut">
               <a:rPr lang="pt-BR" smtClean="0"/>
-              <a:t>22/08/2023</a:t>
+              <a:t>19/09/2023</a:t>
             </a:fld>
             <a:endParaRPr lang="pt-BR" dirty="0"/>
           </a:p>
@@ -2406,7 +2406,7 @@
           <a:p>
             <a:fld id="{AA3B7552-0388-42B2-B115-DF73D56C0C0F}" type="datetimeFigureOut">
               <a:rPr lang="pt-BR" smtClean="0"/>
-              <a:t>22/08/2023</a:t>
+              <a:t>19/09/2023</a:t>
             </a:fld>
             <a:endParaRPr lang="pt-BR" dirty="0"/>
           </a:p>
@@ -2695,7 +2695,7 @@
           <a:p>
             <a:fld id="{AA3B7552-0388-42B2-B115-DF73D56C0C0F}" type="datetimeFigureOut">
               <a:rPr lang="pt-BR" smtClean="0"/>
-              <a:t>22/08/2023</a:t>
+              <a:t>19/09/2023</a:t>
             </a:fld>
             <a:endParaRPr lang="pt-BR" dirty="0"/>
           </a:p>
@@ -2938,7 +2938,7 @@
           <a:p>
             <a:fld id="{AA3B7552-0388-42B2-B115-DF73D56C0C0F}" type="datetimeFigureOut">
               <a:rPr lang="pt-BR" smtClean="0"/>
-              <a:t>22/08/2023</a:t>
+              <a:t>19/09/2023</a:t>
             </a:fld>
             <a:endParaRPr lang="pt-BR" dirty="0"/>
           </a:p>
@@ -3447,7 +3447,7 @@
         </p:nvCxnSpPr>
         <p:spPr>
           <a:xfrm>
-            <a:off x="397565" y="3429000"/>
+            <a:off x="397565" y="4515680"/>
             <a:ext cx="3107736" cy="0"/>
           </a:xfrm>
           <a:prstGeom prst="line">
@@ -3508,7 +3508,11 @@
               <a:buChar char="-"/>
             </a:pPr>
             <a:r>
-              <a:rPr lang="pt-BR" dirty="0"/>
+              <a:rPr lang="pt-BR" dirty="0">
+                <a:solidFill>
+                  <a:srgbClr val="C00000"/>
+                </a:solidFill>
+              </a:rPr>
               <a:t>Monitoramento de processos rodando nos equipamentos;</a:t>
             </a:r>
           </a:p>
@@ -3518,7 +3522,11 @@
               <a:buChar char="-"/>
             </a:pPr>
             <a:r>
-              <a:rPr lang="pt-BR" dirty="0"/>
+              <a:rPr lang="pt-BR" dirty="0">
+                <a:solidFill>
+                  <a:schemeClr val="accent1"/>
+                </a:solidFill>
+              </a:rPr>
               <a:t>Monitoramento de uso de recursos nos equipamentos;</a:t>
             </a:r>
           </a:p>
@@ -3528,18 +3536,12 @@
               <a:buChar char="-"/>
             </a:pPr>
             <a:r>
-              <a:rPr lang="pt-BR" dirty="0"/>
-              <a:t>Geração de alertas;</a:t>
-            </a:r>
-          </a:p>
-          <a:p>
-            <a:pPr marL="285750" indent="-285750">
-              <a:buFontTx/>
-              <a:buChar char="-"/>
-            </a:pPr>
-            <a:r>
-              <a:rPr lang="pt-BR" dirty="0"/>
-              <a:t>Geração de relatórios.</a:t>
+              <a:rPr lang="pt-BR" dirty="0">
+                <a:solidFill>
+                  <a:schemeClr val="accent2"/>
+                </a:solidFill>
+              </a:rPr>
+              <a:t>Monitoramento de atividade dos funcionários;</a:t>
             </a:r>
           </a:p>
         </p:txBody>
@@ -3558,7 +3560,7 @@
         </p:nvSpPr>
         <p:spPr>
           <a:xfrm>
-            <a:off x="404198" y="3448473"/>
+            <a:off x="404198" y="4535153"/>
             <a:ext cx="3107732" cy="923330"/>
           </a:xfrm>
           <a:prstGeom prst="rect">
@@ -3593,9 +3595,10 @@
               <a:buChar char="-"/>
             </a:pPr>
             <a:r>
-              <a:rPr lang="pt-BR" dirty="0"/>
-              <a:t>Gerência.</a:t>
-            </a:r>
+              <a:rPr lang="pt-BR"/>
+              <a:t>Gerente.</a:t>
+            </a:r>
+            <a:endParaRPr lang="pt-BR" dirty="0"/>
           </a:p>
         </p:txBody>
       </p:sp>
@@ -3614,7 +3617,7 @@
         <p:spPr>
           <a:xfrm>
             <a:off x="3505301" y="294250"/>
-            <a:ext cx="4022026" cy="3970318"/>
+            <a:ext cx="4022026" cy="5909310"/>
           </a:xfrm>
           <a:prstGeom prst="rect">
             <a:avLst/>
@@ -3639,7 +3642,7 @@
             </a:pPr>
             <a:r>
               <a:rPr lang="pt-BR" dirty="0"/>
-              <a:t>Aplicação em Java para leitura de dados (recursos e processos);</a:t>
+              <a:t>Aplicação em Java/Python para leitura de dados (recursos, processos e atividade);</a:t>
             </a:r>
           </a:p>
           <a:p>
@@ -3654,12 +3657,40 @@
           </a:p>
           <a:p>
             <a:pPr marL="285750" indent="-285750">
-              <a:buFontTx/>
-              <a:buChar char="-"/>
+              <a:buFont typeface="Arial" panose="020B0604020202020204" pitchFamily="34" charset="0"/>
+              <a:buChar char="•"/>
             </a:pPr>
             <a:r>
               <a:rPr lang="pt-BR" dirty="0"/>
-              <a:t>Dashboard para equipe técnica, contendo informações de uso de máquina e processos indevidos Visualizações gerais e por máquina;</a:t>
+              <a:t>Dashboard para equipe técnica: </a:t>
+            </a:r>
+          </a:p>
+          <a:p>
+            <a:pPr marL="742950" lvl="1" indent="-285750">
+              <a:buFont typeface="Arial" panose="020B0604020202020204" pitchFamily="34" charset="0"/>
+              <a:buChar char="•"/>
+            </a:pPr>
+            <a:r>
+              <a:rPr lang="pt-BR" dirty="0">
+                <a:solidFill>
+                  <a:schemeClr val="accent1"/>
+                </a:solidFill>
+              </a:rPr>
+              <a:t>Informações de uso de máquina para manutenção. Visualizações gerais e por máquina;</a:t>
+            </a:r>
+          </a:p>
+          <a:p>
+            <a:pPr marL="742950" lvl="1" indent="-285750">
+              <a:buFont typeface="Arial" panose="020B0604020202020204" pitchFamily="34" charset="0"/>
+              <a:buChar char="•"/>
+            </a:pPr>
+            <a:r>
+              <a:rPr lang="pt-BR" dirty="0">
+                <a:solidFill>
+                  <a:srgbClr val="C00000"/>
+                </a:solidFill>
+              </a:rPr>
+              <a:t>Alertas de aplicações maliciosas, para avaliação de possíveis brechas de segurança.</a:t>
             </a:r>
           </a:p>
           <a:p>
@@ -3677,25 +3708,81 @@
             </a:r>
             <a:r>
               <a:rPr lang="en-US" dirty="0"/>
-              <a:t>, contendo </a:t>
-            </a:r>
-            <a:r>
-              <a:rPr lang="pt-BR" dirty="0"/>
-              <a:t>informações</a:t>
-            </a:r>
-            <a:r>
-              <a:rPr lang="en-US" dirty="0"/>
-              <a:t> de </a:t>
-            </a:r>
-            <a:r>
-              <a:rPr lang="en-US" i="1" dirty="0"/>
+              <a:t>:</a:t>
+            </a:r>
+          </a:p>
+          <a:p>
+            <a:pPr marL="742950" lvl="1" indent="-285750">
+              <a:buFontTx/>
+              <a:buChar char="-"/>
+            </a:pPr>
+            <a:r>
+              <a:rPr lang="pt-BR" dirty="0">
+                <a:solidFill>
+                  <a:schemeClr val="accent2"/>
+                </a:solidFill>
+              </a:rPr>
+              <a:t>Relatórios</a:t>
+            </a:r>
+            <a:r>
+              <a:rPr lang="en-US" dirty="0">
+                <a:solidFill>
+                  <a:schemeClr val="accent2"/>
+                </a:solidFill>
+              </a:rPr>
+              <a:t> d</a:t>
+            </a:r>
+            <a:r>
+              <a:rPr lang="pt-BR" dirty="0">
+                <a:solidFill>
+                  <a:schemeClr val="accent2"/>
+                </a:solidFill>
+              </a:rPr>
+              <a:t>e </a:t>
+            </a:r>
+            <a:r>
+              <a:rPr lang="pt-BR" i="1" dirty="0" err="1">
+                <a:solidFill>
+                  <a:schemeClr val="accent2"/>
+                </a:solidFill>
+              </a:rPr>
               <a:t>downtime</a:t>
             </a:r>
             <a:r>
-              <a:rPr lang="en-US" dirty="0"/>
-              <a:t>, jornadas de trabalho, e usos de aplicações não desejáveis.</a:t>
-            </a:r>
-            <a:endParaRPr lang="pt-BR" i="1" dirty="0"/>
+              <a:rPr lang="pt-BR" dirty="0">
+                <a:solidFill>
+                  <a:schemeClr val="accent2"/>
+                </a:solidFill>
+              </a:rPr>
+              <a:t>, jornadas de trabalho e atividade dos funcionários;</a:t>
+            </a:r>
+          </a:p>
+          <a:p>
+            <a:pPr marL="742950" lvl="1" indent="-285750">
+              <a:buFontTx/>
+              <a:buChar char="-"/>
+            </a:pPr>
+            <a:r>
+              <a:rPr lang="pt-BR" dirty="0">
+                <a:solidFill>
+                  <a:srgbClr val="C00000"/>
+                </a:solidFill>
+              </a:rPr>
+              <a:t>Alertas sobre uso de aplicações não desejáveis, para tomada de medidas administrativas</a:t>
+            </a:r>
+            <a:r>
+              <a:rPr lang="pt-BR" dirty="0">
+                <a:solidFill>
+                  <a:schemeClr val="accent2"/>
+                </a:solidFill>
+              </a:rPr>
+              <a:t>.</a:t>
+            </a:r>
+            <a:endParaRPr lang="pt-BR" i="1" dirty="0">
+              <a:solidFill>
+                <a:schemeClr val="accent2"/>
+              </a:solidFill>
+            </a:endParaRPr>
           </a:p>
         </p:txBody>
       </p:sp>
@@ -3750,7 +3837,11 @@
               <a:buChar char="-"/>
             </a:pPr>
             <a:r>
-              <a:rPr lang="pt-BR" dirty="0"/>
+              <a:rPr lang="pt-BR" dirty="0">
+                <a:solidFill>
+                  <a:schemeClr val="accent1"/>
+                </a:solidFill>
+              </a:rPr>
               <a:t>Maior assertividade na manutenção e troca de equipamentos;</a:t>
             </a:r>
           </a:p>
@@ -3760,7 +3851,11 @@
               <a:buChar char="-"/>
             </a:pPr>
             <a:r>
-              <a:rPr lang="pt-BR" dirty="0"/>
+              <a:rPr lang="pt-BR" dirty="0">
+                <a:solidFill>
+                  <a:schemeClr val="accent2"/>
+                </a:solidFill>
+              </a:rPr>
               <a:t>Dados mais detalhados sobre trabalho dos atendentes;</a:t>
             </a:r>
           </a:p>
@@ -3770,7 +3865,11 @@
               <a:buChar char="-"/>
             </a:pPr>
             <a:r>
-              <a:rPr lang="pt-BR" dirty="0"/>
+              <a:rPr lang="pt-BR" dirty="0">
+                <a:solidFill>
+                  <a:srgbClr val="C00000"/>
+                </a:solidFill>
+              </a:rPr>
               <a:t>Detectar mais rapidamente possíveis brechas de segurança;</a:t>
             </a:r>
           </a:p>
@@ -4148,12 +4247,11 @@
 </file>
 
 <file path=customXml/item1.xml><?xml version="1.0" encoding="utf-8"?>
-<?mso-contentType ?>
-<FormTemplates xmlns="http://schemas.microsoft.com/sharepoint/v3/contenttype/forms">
-  <Display>DocumentLibraryForm</Display>
-  <Edit>DocumentLibraryForm</Edit>
-  <New>DocumentLibraryForm</New>
-</FormTemplates>
+<p:properties xmlns:p="http://schemas.microsoft.com/office/2006/metadata/properties" xmlns:xsi="http://www.w3.org/2001/XMLSchema-instance" xmlns:pc="http://schemas.microsoft.com/office/infopath/2007/PartnerControls">
+  <documentManagement>
+    <_activity xmlns="58bd19be-68b1-440c-82af-6d4de24fec6c" xsi:nil="true"/>
+  </documentManagement>
+</p:properties>
 </file>
 
 <file path=customXml/item2.xml><?xml version="1.0" encoding="utf-8"?>
@@ -4346,17 +4444,27 @@
 </file>
 
 <file path=customXml/item3.xml><?xml version="1.0" encoding="utf-8"?>
-<p:properties xmlns:p="http://schemas.microsoft.com/office/2006/metadata/properties" xmlns:xsi="http://www.w3.org/2001/XMLSchema-instance" xmlns:pc="http://schemas.microsoft.com/office/infopath/2007/PartnerControls">
-  <documentManagement>
-    <_activity xmlns="58bd19be-68b1-440c-82af-6d4de24fec6c" xsi:nil="true"/>
-  </documentManagement>
-</p:properties>
+<?mso-contentType ?>
+<FormTemplates xmlns="http://schemas.microsoft.com/sharepoint/v3/contenttype/forms">
+  <Display>DocumentLibraryForm</Display>
+  <Edit>DocumentLibraryForm</Edit>
+  <New>DocumentLibraryForm</New>
+</FormTemplates>
 </file>
 
 <file path=customXml/itemProps1.xml><?xml version="1.0" encoding="utf-8"?>
-<ds:datastoreItem xmlns:ds="http://schemas.openxmlformats.org/officeDocument/2006/customXml" ds:itemID="{6C7D4F28-BC76-45E1-8DDD-91BD8C0A1ED3}">
+<ds:datastoreItem xmlns:ds="http://schemas.openxmlformats.org/officeDocument/2006/customXml" ds:itemID="{E6DC88C6-A5EE-4B9A-B969-1C142438C498}">
   <ds:schemaRefs>
-    <ds:schemaRef ds:uri="http://schemas.microsoft.com/sharepoint/v3/contenttype/forms"/>
+    <ds:schemaRef ds:uri="3ffc9a63-5890-437d-bab6-67d84705b086"/>
+    <ds:schemaRef ds:uri="http://purl.org/dc/dcmitype/"/>
+    <ds:schemaRef ds:uri="http://schemas.microsoft.com/office/2006/documentManagement/types"/>
+    <ds:schemaRef ds:uri="http://purl.org/dc/terms/"/>
+    <ds:schemaRef ds:uri="http://schemas.microsoft.com/office/infopath/2007/PartnerControls"/>
+    <ds:schemaRef ds:uri="http://schemas.openxmlformats.org/package/2006/metadata/core-properties"/>
+    <ds:schemaRef ds:uri="http://purl.org/dc/elements/1.1/"/>
+    <ds:schemaRef ds:uri="http://schemas.microsoft.com/office/2006/metadata/properties"/>
+    <ds:schemaRef ds:uri="58bd19be-68b1-440c-82af-6d4de24fec6c"/>
+    <ds:schemaRef ds:uri="http://www.w3.org/XML/1998/namespace"/>
   </ds:schemaRefs>
 </ds:datastoreItem>
 </file>
@@ -4381,18 +4489,9 @@
 </file>
 
 <file path=customXml/itemProps3.xml><?xml version="1.0" encoding="utf-8"?>
-<ds:datastoreItem xmlns:ds="http://schemas.openxmlformats.org/officeDocument/2006/customXml" ds:itemID="{E6DC88C6-A5EE-4B9A-B969-1C142438C498}">
+<ds:datastoreItem xmlns:ds="http://schemas.openxmlformats.org/officeDocument/2006/customXml" ds:itemID="{6C7D4F28-BC76-45E1-8DDD-91BD8C0A1ED3}">
   <ds:schemaRefs>
-    <ds:schemaRef ds:uri="http://purl.org/dc/terms/"/>
-    <ds:schemaRef ds:uri="58bd19be-68b1-440c-82af-6d4de24fec6c"/>
-    <ds:schemaRef ds:uri="http://www.w3.org/XML/1998/namespace"/>
-    <ds:schemaRef ds:uri="http://purl.org/dc/elements/1.1/"/>
-    <ds:schemaRef ds:uri="http://schemas.microsoft.com/office/2006/documentManagement/types"/>
-    <ds:schemaRef ds:uri="http://schemas.microsoft.com/office/2006/metadata/properties"/>
-    <ds:schemaRef ds:uri="http://schemas.microsoft.com/office/infopath/2007/PartnerControls"/>
-    <ds:schemaRef ds:uri="http://schemas.openxmlformats.org/package/2006/metadata/core-properties"/>
-    <ds:schemaRef ds:uri="3ffc9a63-5890-437d-bab6-67d84705b086"/>
-    <ds:schemaRef ds:uri="http://purl.org/dc/dcmitype/"/>
+    <ds:schemaRef ds:uri="http://schemas.microsoft.com/sharepoint/v3/contenttype/forms"/>
   </ds:schemaRefs>
 </ds:datastoreItem>
 </file>